--- a/thesis/abs/BaoCao_ĐACN_NguyenAnhTuan_110121123_DA21TTA.pptx
+++ b/thesis/abs/BaoCao_ĐACN_NguyenAnhTuan_110121123_DA21TTA.pptx
@@ -5,30 +5,31 @@
     <p:sldMasterId id="2147483648" r:id="rId1"/>
   </p:sldMasterIdLst>
   <p:notesMasterIdLst>
-    <p:notesMasterId r:id="rId8"/>
+    <p:notesMasterId r:id="rId9"/>
   </p:notesMasterIdLst>
   <p:sldIdLst>
     <p:sldId id="256" r:id="rId2"/>
     <p:sldId id="257" r:id="rId3"/>
     <p:sldId id="258" r:id="rId4"/>
     <p:sldId id="260" r:id="rId5"/>
-    <p:sldId id="261" r:id="rId6"/>
-    <p:sldId id="259" r:id="rId7"/>
+    <p:sldId id="262" r:id="rId6"/>
+    <p:sldId id="261" r:id="rId7"/>
+    <p:sldId id="259" r:id="rId8"/>
   </p:sldIdLst>
   <p:sldSz cx="18288000" cy="10287000"/>
   <p:notesSz cx="6858000" cy="9144000"/>
   <p:embeddedFontLst>
     <p:embeddedFont>
       <p:font typeface="Calibri" panose="020F0502020204030204" pitchFamily="34" charset="0"/>
-      <p:regular r:id="rId9"/>
-      <p:bold r:id="rId10"/>
-      <p:italic r:id="rId11"/>
-      <p:boldItalic r:id="rId12"/>
+      <p:regular r:id="rId10"/>
+      <p:bold r:id="rId11"/>
+      <p:italic r:id="rId12"/>
+      <p:boldItalic r:id="rId13"/>
     </p:embeddedFont>
     <p:embeddedFont>
       <p:font typeface="Montserrat" panose="020B0604020202020204" charset="0"/>
-      <p:bold r:id="rId13"/>
-      <p:boldItalic r:id="rId14"/>
+      <p:bold r:id="rId14"/>
+      <p:boldItalic r:id="rId15"/>
     </p:embeddedFont>
   </p:embeddedFontLst>
   <p:defaultTextStyle>
@@ -276,7 +277,7 @@
       </p15:sldGuideLst>
     </p:ext>
     <p:ext uri="GoogleSlidesCustomDataVersion2">
-      <go:slidesCustomData xmlns="" xmlns:mc="http://schemas.openxmlformats.org/markup-compatibility/2006" xmlns:mv="urn:schemas-microsoft-com:mac:vml" xmlns:c="http://schemas.openxmlformats.org/drawingml/2006/chart" xmlns:dgm="http://schemas.openxmlformats.org/drawingml/2006/diagram" xmlns:o="urn:schemas-microsoft-com:office:office" xmlns:v="urn:schemas-microsoft-com:vml" xmlns:pvml="urn:schemas-microsoft-com:office:powerpoint" xmlns:com="http://schemas.openxmlformats.org/drawingml/2006/compatibility" xmlns:p14="http://schemas.microsoft.com/office/powerpoint/2010/main" xmlns:p15="http://schemas.microsoft.com/office/powerpoint/2012/main" xmlns:ahyp="http://schemas.microsoft.com/office/drawing/2018/hyperlinkcolor" xmlns:go="http://customooxmlschemas.google.com/" r:id="rId23" roundtripDataSignature="AMtx7mg8aGhJEHI+usQJwCLMakGlKxOldg=="/>
+      <go:slidesCustomData xmlns:go="http://customooxmlschemas.google.com/" xmlns:ahyp="http://schemas.microsoft.com/office/drawing/2018/hyperlinkcolor" xmlns:p15="http://schemas.microsoft.com/office/powerpoint/2012/main" xmlns:p14="http://schemas.microsoft.com/office/powerpoint/2010/main" xmlns:com="http://schemas.openxmlformats.org/drawingml/2006/compatibility" xmlns:pvml="urn:schemas-microsoft-com:office:powerpoint" xmlns:v="urn:schemas-microsoft-com:vml" xmlns:o="urn:schemas-microsoft-com:office:office" xmlns:dgm="http://schemas.openxmlformats.org/drawingml/2006/diagram" xmlns:c="http://schemas.openxmlformats.org/drawingml/2006/chart" xmlns:mv="urn:schemas-microsoft-com:mac:vml" xmlns:mc="http://schemas.openxmlformats.org/markup-compatibility/2006" xmlns="" r:id="rId23" roundtripDataSignature="AMtx7mg8aGhJEHI+usQJwCLMakGlKxOldg=="/>
     </p:ext>
   </p:extLst>
 </p:presentation>
@@ -1144,6 +1145,115 @@
   <p:cSld>
     <p:spTree>
       <p:nvGrpSpPr>
+        <p:cNvPr id="1" name="Shape 207"/>
+        <p:cNvGrpSpPr/>
+        <p:nvPr/>
+      </p:nvGrpSpPr>
+      <p:grpSpPr>
+        <a:xfrm>
+          <a:off x="0" y="0"/>
+          <a:ext cx="0" cy="0"/>
+          <a:chOff x="0" y="0"/>
+          <a:chExt cx="0" cy="0"/>
+        </a:xfrm>
+      </p:grpSpPr>
+      <p:sp>
+        <p:nvSpPr>
+          <p:cNvPr id="208" name="Google Shape;208;p5:notes"/>
+          <p:cNvSpPr txBox="1">
+            <a:spLocks noGrp="1"/>
+          </p:cNvSpPr>
+          <p:nvPr>
+            <p:ph type="body" idx="1"/>
+          </p:nvPr>
+        </p:nvSpPr>
+        <p:spPr>
+          <a:xfrm>
+            <a:off x="685800" y="4343400"/>
+            <a:ext cx="5486400" cy="4114800"/>
+          </a:xfrm>
+          <a:prstGeom prst="rect">
+            <a:avLst/>
+          </a:prstGeom>
+        </p:spPr>
+        <p:txBody>
+          <a:bodyPr spcFirstLastPara="1" wrap="square" lIns="91425" tIns="91425" rIns="91425" bIns="91425" anchor="t" anchorCtr="0">
+            <a:noAutofit/>
+          </a:bodyPr>
+          <a:lstStyle/>
+          <a:p>
+            <a:pPr marL="0" lvl="0" indent="0" algn="l" rtl="0">
+              <a:spcBef>
+                <a:spcPts val="0"/>
+              </a:spcBef>
+              <a:spcAft>
+                <a:spcPts val="0"/>
+              </a:spcAft>
+              <a:buNone/>
+            </a:pPr>
+            <a:endParaRPr/>
+          </a:p>
+        </p:txBody>
+      </p:sp>
+      <p:sp>
+        <p:nvSpPr>
+          <p:cNvPr id="209" name="Google Shape;209;p5:notes"/>
+          <p:cNvSpPr>
+            <a:spLocks noGrp="1" noRot="1" noChangeAspect="1"/>
+          </p:cNvSpPr>
+          <p:nvPr>
+            <p:ph type="sldImg" idx="2"/>
+          </p:nvPr>
+        </p:nvSpPr>
+        <p:spPr>
+          <a:xfrm>
+            <a:off x="381000" y="685800"/>
+            <a:ext cx="6096000" cy="3429000"/>
+          </a:xfrm>
+          <a:custGeom>
+            <a:avLst/>
+            <a:gdLst/>
+            <a:ahLst/>
+            <a:cxnLst/>
+            <a:rect l="l" t="t" r="r" b="b"/>
+            <a:pathLst>
+              <a:path w="120000" h="120000" extrusionOk="0">
+                <a:moveTo>
+                  <a:pt x="0" y="0"/>
+                </a:moveTo>
+                <a:lnTo>
+                  <a:pt x="120000" y="0"/>
+                </a:lnTo>
+                <a:lnTo>
+                  <a:pt x="120000" y="120000"/>
+                </a:lnTo>
+                <a:lnTo>
+                  <a:pt x="0" y="120000"/>
+                </a:lnTo>
+                <a:close/>
+              </a:path>
+            </a:pathLst>
+          </a:custGeom>
+        </p:spPr>
+      </p:sp>
+    </p:spTree>
+    <p:extLst>
+      <p:ext uri="{BB962C8B-B14F-4D97-AF65-F5344CB8AC3E}">
+        <p14:creationId xmlns:p14="http://schemas.microsoft.com/office/powerpoint/2010/main" val="2385342773"/>
+      </p:ext>
+    </p:extLst>
+  </p:cSld>
+  <p:clrMapOvr>
+    <a:masterClrMapping/>
+  </p:clrMapOvr>
+</p:notes>
+</file>
+
+<file path=ppt/notesSlides/notesSlide6.xml><?xml version="1.0" encoding="utf-8"?>
+<p:notes xmlns:a="http://schemas.openxmlformats.org/drawingml/2006/main" xmlns:r="http://schemas.openxmlformats.org/officeDocument/2006/relationships" xmlns:p="http://schemas.openxmlformats.org/presentationml/2006/main" showMasterSp="0" showMasterPhAnim="0">
+  <p:cSld>
+    <p:spTree>
+      <p:nvGrpSpPr>
         <p:cNvPr id="1" name="Shape 230"/>
         <p:cNvGrpSpPr/>
         <p:nvPr/>
@@ -1243,7 +1353,7 @@
 </p:notes>
 </file>
 
-<file path=ppt/notesSlides/notesSlide6.xml><?xml version="1.0" encoding="utf-8"?>
+<file path=ppt/notesSlides/notesSlide7.xml><?xml version="1.0" encoding="utf-8"?>
 <p:notes xmlns:a="http://schemas.openxmlformats.org/drawingml/2006/main" xmlns:r="http://schemas.openxmlformats.org/officeDocument/2006/relationships" xmlns:p="http://schemas.openxmlformats.org/presentationml/2006/main" showMasterSp="0" showMasterPhAnim="0">
   <p:cSld>
     <p:spTree>
@@ -12538,19 +12648,7 @@
                 <a:cs typeface="Montserrat"/>
                 <a:sym typeface="Montserrat"/>
               </a:rPr>
-              <a:t>Quản trị hệ thống: Xử lý dữ liệu bài đăng và tài khoản người </a:t>
-            </a:r>
-            <a:r>
-              <a:rPr lang="vi-VN" sz="3000">
-                <a:solidFill>
-                  <a:srgbClr val="496592"/>
-                </a:solidFill>
-                <a:latin typeface="Montserrat"/>
-                <a:ea typeface="Montserrat"/>
-                <a:cs typeface="Montserrat"/>
-                <a:sym typeface="Montserrat"/>
-              </a:rPr>
-              <a:t>dùng</a:t>
+              <a:t>Quản trị hệ thống: Xử lý dữ liệu bài đăng và tài khoản người dùng</a:t>
             </a:r>
             <a:r>
               <a:rPr lang="vi-VN" sz="3000" smtClean="0">
@@ -12667,6 +12765,150 @@
 </file>
 
 <file path=ppt/slides/slide5.xml><?xml version="1.0" encoding="utf-8"?>
+<p:sld xmlns:a="http://schemas.openxmlformats.org/drawingml/2006/main" xmlns:r="http://schemas.openxmlformats.org/officeDocument/2006/relationships" xmlns:p="http://schemas.openxmlformats.org/presentationml/2006/main">
+  <p:cSld>
+    <p:spTree>
+      <p:nvGrpSpPr>
+        <p:cNvPr id="1" name="Shape 210"/>
+        <p:cNvGrpSpPr/>
+        <p:nvPr/>
+      </p:nvGrpSpPr>
+      <p:grpSpPr>
+        <a:xfrm>
+          <a:off x="0" y="0"/>
+          <a:ext cx="0" cy="0"/>
+          <a:chOff x="0" y="0"/>
+          <a:chExt cx="0" cy="0"/>
+        </a:xfrm>
+      </p:grpSpPr>
+      <p:cxnSp>
+        <p:nvCxnSpPr>
+          <p:cNvPr id="21" name="Google Shape;103;p2"/>
+          <p:cNvCxnSpPr/>
+          <p:nvPr/>
+        </p:nvCxnSpPr>
+        <p:spPr>
+          <a:xfrm>
+            <a:off x="0" y="979513"/>
+            <a:ext cx="18288000" cy="0"/>
+          </a:xfrm>
+          <a:prstGeom prst="straightConnector1">
+            <a:avLst/>
+          </a:prstGeom>
+          <a:noFill/>
+          <a:ln w="28575" cap="rnd" cmpd="sng">
+            <a:solidFill>
+              <a:srgbClr val="ABE3F9"/>
+            </a:solidFill>
+            <a:prstDash val="solid"/>
+            <a:round/>
+            <a:headEnd type="none" w="sm" len="sm"/>
+            <a:tailEnd type="none" w="sm" len="sm"/>
+          </a:ln>
+        </p:spPr>
+      </p:cxnSp>
+      <p:sp>
+        <p:nvSpPr>
+          <p:cNvPr id="22" name="Google Shape;121;p2"/>
+          <p:cNvSpPr txBox="1"/>
+          <p:nvPr/>
+        </p:nvSpPr>
+        <p:spPr>
+          <a:xfrm>
+            <a:off x="3577605" y="140635"/>
+            <a:ext cx="12089115" cy="736805"/>
+          </a:xfrm>
+          <a:prstGeom prst="rect">
+            <a:avLst/>
+          </a:prstGeom>
+          <a:noFill/>
+          <a:ln>
+            <a:noFill/>
+          </a:ln>
+        </p:spPr>
+        <p:txBody>
+          <a:bodyPr spcFirstLastPara="1" wrap="square" lIns="0" tIns="0" rIns="0" bIns="0" anchor="t" anchorCtr="0">
+            <a:spAutoFit/>
+          </a:bodyPr>
+          <a:lstStyle/>
+          <a:p>
+            <a:pPr marL="0" marR="0" lvl="0" indent="0" rtl="0">
+              <a:lnSpc>
+                <a:spcPct val="114000"/>
+              </a:lnSpc>
+              <a:spcBef>
+                <a:spcPts val="0"/>
+              </a:spcBef>
+              <a:spcAft>
+                <a:spcPts val="0"/>
+              </a:spcAft>
+              <a:buNone/>
+            </a:pPr>
+            <a:r>
+              <a:rPr lang="en-US" sz="4200" b="0" i="0" u="none" strike="noStrike" cap="none" smtClean="0">
+                <a:solidFill>
+                  <a:srgbClr val="496592"/>
+                </a:solidFill>
+                <a:latin typeface="Montserrat"/>
+                <a:ea typeface="Montserrat"/>
+                <a:cs typeface="Montserrat"/>
+                <a:sym typeface="Montserrat"/>
+              </a:rPr>
+              <a:t>MÔ HÌNH QUAN NIỆM MỨC DỮ LIỆU (ERD)</a:t>
+            </a:r>
+            <a:endParaRPr/>
+          </a:p>
+        </p:txBody>
+      </p:sp>
+      <p:pic>
+        <p:nvPicPr>
+          <p:cNvPr id="2" name="Picture 1"/>
+          <p:cNvPicPr>
+            <a:picLocks noChangeAspect="1"/>
+          </p:cNvPicPr>
+          <p:nvPr/>
+        </p:nvPicPr>
+        <p:blipFill rotWithShape="1">
+          <a:blip r:embed="rId3"/>
+          <a:srcRect l="2254" r="2265"/>
+          <a:stretch/>
+        </p:blipFill>
+        <p:spPr>
+          <a:xfrm>
+            <a:off x="3007360" y="1081587"/>
+            <a:ext cx="12659360" cy="9205413"/>
+          </a:xfrm>
+          <a:prstGeom prst="rect">
+            <a:avLst/>
+          </a:prstGeom>
+          <a:ln>
+            <a:solidFill>
+              <a:schemeClr val="tx1"/>
+            </a:solidFill>
+          </a:ln>
+        </p:spPr>
+      </p:pic>
+    </p:spTree>
+    <p:extLst>
+      <p:ext uri="{BB962C8B-B14F-4D97-AF65-F5344CB8AC3E}">
+        <p14:creationId xmlns:p14="http://schemas.microsoft.com/office/powerpoint/2010/main" val="1570791450"/>
+      </p:ext>
+    </p:extLst>
+  </p:cSld>
+  <p:clrMapOvr>
+    <a:masterClrMapping/>
+  </p:clrMapOvr>
+  <p:timing>
+    <p:tnLst>
+      <p:par>
+        <p:cTn id="1" dur="indefinite" restart="never" nodeType="tmRoot"/>
+      </p:par>
+    </p:tnLst>
+  </p:timing>
+</p:sld>
+</file>
+
+<file path=ppt/slides/slide6.xml><?xml version="1.0" encoding="utf-8"?>
 <p:sld xmlns:a="http://schemas.openxmlformats.org/drawingml/2006/main" xmlns:r="http://schemas.openxmlformats.org/officeDocument/2006/relationships" xmlns:p="http://schemas.openxmlformats.org/presentationml/2006/main">
   <p:cSld>
     <p:spTree>
@@ -13109,7 +13351,7 @@
 </p:sld>
 </file>
 
-<file path=ppt/slides/slide6.xml><?xml version="1.0" encoding="utf-8"?>
+<file path=ppt/slides/slide7.xml><?xml version="1.0" encoding="utf-8"?>
 <p:sld xmlns:a="http://schemas.openxmlformats.org/drawingml/2006/main" xmlns:r="http://schemas.openxmlformats.org/officeDocument/2006/relationships" xmlns:p="http://schemas.openxmlformats.org/presentationml/2006/main">
   <p:cSld>
     <p:spTree>
